--- a/Lean Canvas .pptx
+++ b/Lean Canvas .pptx
@@ -208,7 +208,7 @@
           <a:p>
             <a:fld id="{479FEF38-24CA-444D-8E5D-5C6061C6B495}" type="datetimeFigureOut">
               <a:rPr lang="en-US" smtClean="0"/>
-              <a:t>3/25/25</a:t>
+              <a:t>3/26/25</a:t>
             </a:fld>
             <a:endParaRPr lang="en-US"/>
           </a:p>
@@ -654,7 +654,7 @@
           <a:p>
             <a:fld id="{8D2F9B37-4FC8-4EEB-BE2F-2081A1907109}" type="datetimeFigureOut">
               <a:rPr lang="en-US" smtClean="0"/>
-              <a:t>3/25/25</a:t>
+              <a:t>3/26/25</a:t>
             </a:fld>
             <a:endParaRPr lang="en-US"/>
           </a:p>
@@ -822,7 +822,7 @@
           <a:p>
             <a:fld id="{8D2F9B37-4FC8-4EEB-BE2F-2081A1907109}" type="datetimeFigureOut">
               <a:rPr lang="en-US" smtClean="0"/>
-              <a:t>3/25/25</a:t>
+              <a:t>3/26/25</a:t>
             </a:fld>
             <a:endParaRPr lang="en-US"/>
           </a:p>
@@ -1000,7 +1000,7 @@
           <a:p>
             <a:fld id="{8D2F9B37-4FC8-4EEB-BE2F-2081A1907109}" type="datetimeFigureOut">
               <a:rPr lang="en-US" smtClean="0"/>
-              <a:t>3/25/25</a:t>
+              <a:t>3/26/25</a:t>
             </a:fld>
             <a:endParaRPr lang="en-US"/>
           </a:p>
@@ -1168,7 +1168,7 @@
           <a:p>
             <a:fld id="{8D2F9B37-4FC8-4EEB-BE2F-2081A1907109}" type="datetimeFigureOut">
               <a:rPr lang="en-US" smtClean="0"/>
-              <a:t>3/25/25</a:t>
+              <a:t>3/26/25</a:t>
             </a:fld>
             <a:endParaRPr lang="en-US"/>
           </a:p>
@@ -1413,7 +1413,7 @@
           <a:p>
             <a:fld id="{8D2F9B37-4FC8-4EEB-BE2F-2081A1907109}" type="datetimeFigureOut">
               <a:rPr lang="en-US" smtClean="0"/>
-              <a:t>3/25/25</a:t>
+              <a:t>3/26/25</a:t>
             </a:fld>
             <a:endParaRPr lang="en-US"/>
           </a:p>
@@ -1698,7 +1698,7 @@
           <a:p>
             <a:fld id="{8D2F9B37-4FC8-4EEB-BE2F-2081A1907109}" type="datetimeFigureOut">
               <a:rPr lang="en-US" smtClean="0"/>
-              <a:t>3/25/25</a:t>
+              <a:t>3/26/25</a:t>
             </a:fld>
             <a:endParaRPr lang="en-US"/>
           </a:p>
@@ -2117,7 +2117,7 @@
           <a:p>
             <a:fld id="{8D2F9B37-4FC8-4EEB-BE2F-2081A1907109}" type="datetimeFigureOut">
               <a:rPr lang="en-US" smtClean="0"/>
-              <a:t>3/25/25</a:t>
+              <a:t>3/26/25</a:t>
             </a:fld>
             <a:endParaRPr lang="en-US"/>
           </a:p>
@@ -2234,7 +2234,7 @@
           <a:p>
             <a:fld id="{8D2F9B37-4FC8-4EEB-BE2F-2081A1907109}" type="datetimeFigureOut">
               <a:rPr lang="en-US" smtClean="0"/>
-              <a:t>3/25/25</a:t>
+              <a:t>3/26/25</a:t>
             </a:fld>
             <a:endParaRPr lang="en-US"/>
           </a:p>
@@ -2329,7 +2329,7 @@
           <a:p>
             <a:fld id="{8D2F9B37-4FC8-4EEB-BE2F-2081A1907109}" type="datetimeFigureOut">
               <a:rPr lang="en-US" smtClean="0"/>
-              <a:t>3/25/25</a:t>
+              <a:t>3/26/25</a:t>
             </a:fld>
             <a:endParaRPr lang="en-US"/>
           </a:p>
@@ -2604,7 +2604,7 @@
           <a:p>
             <a:fld id="{8D2F9B37-4FC8-4EEB-BE2F-2081A1907109}" type="datetimeFigureOut">
               <a:rPr lang="en-US" smtClean="0"/>
-              <a:t>3/25/25</a:t>
+              <a:t>3/26/25</a:t>
             </a:fld>
             <a:endParaRPr lang="en-US"/>
           </a:p>
@@ -2856,7 +2856,7 @@
           <a:p>
             <a:fld id="{8D2F9B37-4FC8-4EEB-BE2F-2081A1907109}" type="datetimeFigureOut">
               <a:rPr lang="en-US" smtClean="0"/>
-              <a:t>3/25/25</a:t>
+              <a:t>3/26/25</a:t>
             </a:fld>
             <a:endParaRPr lang="en-US"/>
           </a:p>
@@ -3067,7 +3067,7 @@
           <a:p>
             <a:fld id="{8D2F9B37-4FC8-4EEB-BE2F-2081A1907109}" type="datetimeFigureOut">
               <a:rPr lang="en-US" smtClean="0"/>
-              <a:t>3/25/25</a:t>
+              <a:t>3/26/25</a:t>
             </a:fld>
             <a:endParaRPr lang="en-US"/>
           </a:p>
@@ -3486,7 +3486,7 @@
         </p:nvSpPr>
         <p:spPr>
           <a:xfrm>
-            <a:off x="3810000" y="114684"/>
+            <a:off x="3780598" y="111858"/>
             <a:ext cx="3276600" cy="461666"/>
           </a:xfrm>
           <a:prstGeom prst="rect">
@@ -3506,7 +3506,7 @@
           <a:p>
             <a:pPr algn="ctr"/>
             <a:r>
-              <a:rPr lang="en-AU" altLang="zh-CN" sz="1200" b="1" i="0" u="none" strike="noStrike" dirty="0" err="1">
+              <a:rPr lang="en-AU" altLang="zh-CN" sz="1200" b="1" i="0" u="none" strike="noStrike" dirty="0">
                 <a:solidFill>
                   <a:srgbClr val="000000"/>
                 </a:solidFill>
@@ -3514,18 +3514,7 @@
                 <a:latin typeface="Arial" panose="020B0604020202020204" pitchFamily="34" charset="0"/>
                 <a:cs typeface="Arial" panose="020B0604020202020204" pitchFamily="34" charset="0"/>
               </a:rPr>
-              <a:t>LocalPoint</a:t>
-            </a:r>
-            <a:r>
-              <a:rPr lang="en-AU" altLang="zh-CN" sz="1200" b="1" i="0" u="none" strike="noStrike" dirty="0">
-                <a:solidFill>
-                  <a:srgbClr val="000000"/>
-                </a:solidFill>
-                <a:effectLst/>
-                <a:latin typeface="Arial" panose="020B0604020202020204" pitchFamily="34" charset="0"/>
-                <a:cs typeface="Arial" panose="020B0604020202020204" pitchFamily="34" charset="0"/>
-              </a:rPr>
-              <a:t> App </a:t>
+              <a:t>LocalPoint App </a:t>
             </a:r>
             <a:endParaRPr lang="en-US" sz="1200" dirty="0">
               <a:solidFill>
@@ -3599,7 +3588,7 @@
         </p:nvSpPr>
         <p:spPr>
           <a:xfrm>
-            <a:off x="7239000" y="375182"/>
+            <a:off x="7239000" y="365308"/>
             <a:ext cx="1752600" cy="201168"/>
           </a:xfrm>
           <a:prstGeom prst="rect">
@@ -3620,8 +3609,13 @@
             <a:pPr algn="ctr"/>
             <a:r>
               <a:rPr lang="en-US" sz="1200" dirty="0"/>
-              <a:t>Iteration #x</a:t>
-            </a:r>
+              <a:t>Iteration #</a:t>
+            </a:r>
+            <a:r>
+              <a:rPr lang="en-US" altLang="zh-CN" sz="1200" dirty="0"/>
+              <a:t>2</a:t>
+            </a:r>
+            <a:endParaRPr lang="en-US" sz="1200" dirty="0"/>
           </a:p>
         </p:txBody>
       </p:sp>
@@ -3633,7 +3627,7 @@
         </p:nvSpPr>
         <p:spPr>
           <a:xfrm>
-            <a:off x="152400" y="4639985"/>
+            <a:off x="182526" y="4639985"/>
             <a:ext cx="4398041" cy="1338408"/>
           </a:xfrm>
           <a:prstGeom prst="roundRect">
@@ -3714,7 +3708,7 @@
                 <a:effectLst/>
                 <a:latin typeface="ui-sans-serif"/>
               </a:rPr>
-              <a:t>Firebase services, mobile development time, app store fees, promotion</a:t>
+              <a:t>Firebase services, mobile development time, app store fees, and promotion.</a:t>
             </a:r>
             <a:endParaRPr lang="en-US" sz="1200" dirty="0">
               <a:solidFill>
@@ -3815,7 +3809,26 @@
                 <a:effectLst/>
                 <a:latin typeface="ui-sans-serif"/>
               </a:rPr>
-              <a:t>Free to use initially; future options include ads, premium features, and business listings</a:t>
+              <a:t>Free to use initially; future options include ads, premium features, and business listings.</a:t>
+            </a:r>
+            <a:br>
+              <a:rPr lang="en-AU" altLang="zh-CN" sz="1200" b="0" i="0" dirty="0">
+                <a:solidFill>
+                  <a:srgbClr val="1F2937"/>
+                </a:solidFill>
+                <a:effectLst/>
+                <a:latin typeface="ui-sans-serif"/>
+              </a:rPr>
+            </a:br>
+            <a:r>
+              <a:rPr lang="en-AU" altLang="zh-CN" sz="1200" b="0" i="0" dirty="0">
+                <a:solidFill>
+                  <a:srgbClr val="1F2937"/>
+                </a:solidFill>
+                <a:effectLst/>
+                <a:latin typeface="ui-sans-serif"/>
+              </a:rPr>
+              <a:t>Advertising and paid top display of restaurant merchants.</a:t>
             </a:r>
             <a:endParaRPr lang="en-US" sz="1200" dirty="0">
               <a:solidFill>
@@ -3835,7 +3848,7 @@
         </p:nvSpPr>
         <p:spPr>
           <a:xfrm>
-            <a:off x="152400" y="664125"/>
+            <a:off x="170482" y="651679"/>
             <a:ext cx="1764792" cy="3975859"/>
           </a:xfrm>
           <a:prstGeom prst="roundRect">
@@ -3895,11 +3908,19 @@
                 <a:latin typeface="Arial" pitchFamily="34" charset="0"/>
                 <a:cs typeface="Arial" pitchFamily="34" charset="0"/>
               </a:rPr>
-              <a:t>Problem</a:t>
-            </a:r>
-          </a:p>
-          <a:p>
-            <a:endParaRPr lang="en-US" sz="1200" dirty="0">
+              <a:t>P</a:t>
+            </a:r>
+            <a:r>
+              <a:rPr lang="en-US" altLang="zh-CN" sz="1400" dirty="0">
+                <a:solidFill>
+                  <a:schemeClr val="tx1"/>
+                </a:solidFill>
+                <a:latin typeface="Arial" pitchFamily="34" charset="0"/>
+                <a:cs typeface="Arial" pitchFamily="34" charset="0"/>
+              </a:rPr>
+              <a:t>ROBLEM</a:t>
+            </a:r>
+            <a:endParaRPr lang="en-US" sz="1400" dirty="0">
               <a:solidFill>
                 <a:schemeClr val="tx1"/>
               </a:solidFill>
@@ -3908,7 +3929,40 @@
             </a:endParaRPr>
           </a:p>
           <a:p>
-            <a:r>
+            <a:pPr>
+              <a:buNone/>
+            </a:pPr>
+            <a:r>
+              <a:rPr lang="en-US" altLang="zh-CN" sz="1200" dirty="0">
+                <a:solidFill>
+                  <a:srgbClr val="FF0000"/>
+                </a:solidFill>
+                <a:latin typeface="Arial" pitchFamily="34" charset="0"/>
+                <a:cs typeface="Arial" pitchFamily="34" charset="0"/>
+              </a:rPr>
+              <a:t>#Students</a:t>
+            </a:r>
+            <a:r>
+              <a:rPr lang="zh-CN" altLang="en-US" sz="1200" dirty="0">
+                <a:solidFill>
+                  <a:srgbClr val="FF0000"/>
+                </a:solidFill>
+                <a:latin typeface="Arial" pitchFamily="34" charset="0"/>
+                <a:cs typeface="Arial" pitchFamily="34" charset="0"/>
+              </a:rPr>
+              <a:t> </a:t>
+            </a:r>
+            <a:r>
+              <a:rPr lang="en-US" altLang="zh-CN" sz="1200" dirty="0">
+                <a:solidFill>
+                  <a:srgbClr val="FF0000"/>
+                </a:solidFill>
+                <a:latin typeface="Arial" pitchFamily="34" charset="0"/>
+                <a:cs typeface="Arial" pitchFamily="34" charset="0"/>
+              </a:rPr>
+              <a:t>more concern clear information on meal prices, discounts, and availability of Wi-Fi and charging outlets.</a:t>
+            </a:r>
+            <a:br>
               <a:rPr lang="en-AU" altLang="zh-CN" sz="1200" b="0" i="0" dirty="0">
                 <a:solidFill>
                   <a:srgbClr val="1F2937"/>
@@ -3916,11 +3970,53 @@
                 <a:effectLst/>
                 <a:latin typeface="ui-sans-serif"/>
               </a:rPr>
-              <a:t>Users find it difficult to locate trustworthy and relevant local reviews for restaurants, cafés, and other places.</a:t>
+            </a:br>
+            <a:r>
+              <a:rPr lang="en-AU" altLang="zh-CN" sz="1200" b="0" i="0" dirty="0">
+                <a:solidFill>
+                  <a:srgbClr val="00B050"/>
+                </a:solidFill>
+                <a:effectLst/>
+                <a:latin typeface="ui-sans-serif"/>
+              </a:rPr>
+              <a:t>#Tourist</a:t>
+            </a:r>
+            <a:r>
+              <a:rPr lang="en-US" altLang="zh-CN" sz="1200" b="0" i="0" dirty="0">
+                <a:solidFill>
+                  <a:srgbClr val="00B050"/>
+                </a:solidFill>
+                <a:effectLst/>
+                <a:latin typeface="ui-sans-serif"/>
+              </a:rPr>
+              <a:t> f</a:t>
+            </a:r>
+            <a:r>
+              <a:rPr lang="en-US" altLang="zh-CN" sz="1200" dirty="0">
+                <a:solidFill>
+                  <a:srgbClr val="00B050"/>
+                </a:solidFill>
+              </a:rPr>
+              <a:t>ace difficulties discovering authentic local dining spots quickly in unfamiliar locations.</a:t>
+            </a:r>
+            <a:br>
+              <a:rPr lang="en-US" altLang="zh-CN" sz="1200" dirty="0">
+                <a:solidFill>
+                  <a:srgbClr val="00B050"/>
+                </a:solidFill>
+              </a:rPr>
+            </a:br>
+            <a:r>
+              <a:rPr lang="en-US" altLang="zh-CN" sz="1200" dirty="0">
+                <a:solidFill>
+                  <a:srgbClr val="0070C0"/>
+                </a:solidFill>
+              </a:rPr>
+              <a:t>#Local Families &amp; Residents find it difficult to locate trustworthy and relevant local reviews.</a:t>
             </a:r>
             <a:endParaRPr lang="en-US" sz="1200" dirty="0">
               <a:solidFill>
-                <a:schemeClr val="tx1"/>
+                <a:srgbClr val="0070C0"/>
               </a:solidFill>
               <a:latin typeface="Arial" pitchFamily="34" charset="0"/>
               <a:cs typeface="Arial" pitchFamily="34" charset="0"/>
@@ -3996,7 +4092,7 @@
                 <a:latin typeface="Arial" pitchFamily="34" charset="0"/>
                 <a:cs typeface="Arial" pitchFamily="34" charset="0"/>
               </a:rPr>
-              <a:t>Solution</a:t>
+              <a:t>SOLUTION</a:t>
             </a:r>
           </a:p>
           <a:p>
@@ -4111,6 +4207,38 @@
               </a:rPr>
               <a:t>Number of active users, reviews submitted, POIs added, photo uploads</a:t>
             </a:r>
+            <a:r>
+              <a:rPr lang="zh-CN" altLang="en-US" sz="1200" b="0" i="0" dirty="0">
+                <a:solidFill>
+                  <a:srgbClr val="1F2937"/>
+                </a:solidFill>
+                <a:effectLst/>
+                <a:latin typeface="ui-sans-serif"/>
+              </a:rPr>
+              <a:t>，</a:t>
+            </a:r>
+            <a:r>
+              <a:rPr lang="en-US" altLang="zh-CN" sz="1200" b="0" i="0" dirty="0">
+                <a:solidFill>
+                  <a:srgbClr val="1F2937"/>
+                </a:solidFill>
+                <a:effectLst/>
+                <a:latin typeface="ui-sans-serif"/>
+              </a:rPr>
+              <a:t>user retention and engagement rate(in-app feedback).</a:t>
+            </a:r>
+          </a:p>
+          <a:p>
+            <a:r>
+              <a:rPr lang="en-US" sz="1200" dirty="0">
+                <a:solidFill>
+                  <a:srgbClr val="1F2937"/>
+                </a:solidFill>
+                <a:latin typeface="ui-sans-serif"/>
+                <a:cs typeface="Arial" pitchFamily="34" charset="0"/>
+              </a:rPr>
+              <a:t>Downloads from Google Play.</a:t>
+            </a:r>
             <a:endParaRPr lang="en-US" sz="1200" dirty="0">
               <a:solidFill>
                 <a:schemeClr val="tx1"/>
@@ -4189,8 +4317,65 @@
                 <a:latin typeface="Arial" pitchFamily="34" charset="0"/>
                 <a:cs typeface="Arial" pitchFamily="34" charset="0"/>
               </a:rPr>
-              <a:t>Unique Value Proposition</a:t>
-            </a:r>
+              <a:t>U</a:t>
+            </a:r>
+            <a:r>
+              <a:rPr lang="en-US" altLang="zh-CN" sz="1400" dirty="0">
+                <a:solidFill>
+                  <a:schemeClr val="tx1"/>
+                </a:solidFill>
+                <a:latin typeface="Arial" pitchFamily="34" charset="0"/>
+                <a:cs typeface="Arial" pitchFamily="34" charset="0"/>
+              </a:rPr>
+              <a:t>NIQUE</a:t>
+            </a:r>
+            <a:r>
+              <a:rPr lang="en-US" sz="1400" dirty="0">
+                <a:solidFill>
+                  <a:schemeClr val="tx1"/>
+                </a:solidFill>
+                <a:latin typeface="Arial" pitchFamily="34" charset="0"/>
+                <a:cs typeface="Arial" pitchFamily="34" charset="0"/>
+              </a:rPr>
+              <a:t> </a:t>
+            </a:r>
+            <a:r>
+              <a:rPr lang="en-US" altLang="zh-CN" sz="1400" dirty="0">
+                <a:solidFill>
+                  <a:schemeClr val="tx1"/>
+                </a:solidFill>
+                <a:latin typeface="Arial" pitchFamily="34" charset="0"/>
+                <a:cs typeface="Arial" pitchFamily="34" charset="0"/>
+              </a:rPr>
+              <a:t>VALUE</a:t>
+            </a:r>
+            <a:r>
+              <a:rPr lang="en-US" sz="1400" dirty="0">
+                <a:solidFill>
+                  <a:schemeClr val="tx1"/>
+                </a:solidFill>
+                <a:latin typeface="Arial" pitchFamily="34" charset="0"/>
+                <a:cs typeface="Arial" pitchFamily="34" charset="0"/>
+              </a:rPr>
+              <a:t> P</a:t>
+            </a:r>
+            <a:r>
+              <a:rPr lang="en-US" altLang="zh-CN" sz="1400" dirty="0">
+                <a:solidFill>
+                  <a:schemeClr val="tx1"/>
+                </a:solidFill>
+                <a:latin typeface="Arial" pitchFamily="34" charset="0"/>
+                <a:cs typeface="Arial" pitchFamily="34" charset="0"/>
+              </a:rPr>
+              <a:t>ROPOSITION</a:t>
+            </a:r>
+            <a:endParaRPr lang="en-US" sz="1400" dirty="0">
+              <a:solidFill>
+                <a:schemeClr val="tx1"/>
+              </a:solidFill>
+              <a:latin typeface="Arial" pitchFamily="34" charset="0"/>
+              <a:cs typeface="Arial" pitchFamily="34" charset="0"/>
+            </a:endParaRPr>
           </a:p>
           <a:p>
             <a:r>
@@ -4202,6 +4387,16 @@
                 <a:latin typeface="ui-sans-serif"/>
               </a:rPr>
               <a:t>community-driven local review platform with real-time maps, authentic user feedback, and photos.</a:t>
+            </a:r>
+            <a:r>
+              <a:rPr lang="en-US" altLang="zh-CN" sz="1200" b="0" i="0" u="none" strike="noStrike" dirty="0">
+                <a:solidFill>
+                  <a:srgbClr val="333333"/>
+                </a:solidFill>
+                <a:effectLst/>
+                <a:latin typeface="Arial" panose="020B0604020202020204" pitchFamily="34" charset="0"/>
+              </a:rPr>
+              <a:t> Help users make decisions quickly.</a:t>
             </a:r>
             <a:endParaRPr lang="en-US" sz="1200" dirty="0">
               <a:solidFill>
@@ -4221,7 +4416,7 @@
         </p:nvSpPr>
         <p:spPr>
           <a:xfrm>
-            <a:off x="5418898" y="664125"/>
+            <a:off x="5432837" y="664124"/>
             <a:ext cx="1764792" cy="1987929"/>
           </a:xfrm>
           <a:prstGeom prst="roundRect">
@@ -4281,8 +4476,45 @@
                 <a:latin typeface="Arial" pitchFamily="34" charset="0"/>
                 <a:cs typeface="Arial" pitchFamily="34" charset="0"/>
               </a:rPr>
-              <a:t>Unfair Advantage</a:t>
-            </a:r>
+              <a:t>U</a:t>
+            </a:r>
+            <a:r>
+              <a:rPr lang="en-US" altLang="zh-CN" sz="1400" dirty="0">
+                <a:solidFill>
+                  <a:schemeClr val="tx1"/>
+                </a:solidFill>
+                <a:latin typeface="Arial" pitchFamily="34" charset="0"/>
+                <a:cs typeface="Arial" pitchFamily="34" charset="0"/>
+              </a:rPr>
+              <a:t>NFAIR</a:t>
+            </a:r>
+            <a:r>
+              <a:rPr lang="en-US" sz="1400" dirty="0">
+                <a:solidFill>
+                  <a:schemeClr val="tx1"/>
+                </a:solidFill>
+                <a:latin typeface="Arial" pitchFamily="34" charset="0"/>
+                <a:cs typeface="Arial" pitchFamily="34" charset="0"/>
+              </a:rPr>
+              <a:t> A</a:t>
+            </a:r>
+            <a:r>
+              <a:rPr lang="en-US" altLang="zh-CN" sz="1400" dirty="0">
+                <a:solidFill>
+                  <a:schemeClr val="tx1"/>
+                </a:solidFill>
+                <a:latin typeface="Arial" pitchFamily="34" charset="0"/>
+                <a:cs typeface="Arial" pitchFamily="34" charset="0"/>
+              </a:rPr>
+              <a:t>DVANTAGE</a:t>
+            </a:r>
+            <a:endParaRPr lang="en-US" sz="1400" dirty="0">
+              <a:solidFill>
+                <a:schemeClr val="tx1"/>
+              </a:solidFill>
+              <a:latin typeface="Arial" pitchFamily="34" charset="0"/>
+              <a:cs typeface="Arial" pitchFamily="34" charset="0"/>
+            </a:endParaRPr>
           </a:p>
           <a:p>
             <a:r>
@@ -4291,15 +4523,22 @@
                   <a:srgbClr val="1F2937"/>
                 </a:solidFill>
                 <a:effectLst/>
-                <a:latin typeface="ui-sans-serif"/>
               </a:rPr>
-              <a:t>Hyper-localized feedback, gamified community contribution system, real photos by real users</a:t>
+              <a:t>Hyper-localized feedback, gamified community contribution system, </a:t>
+            </a:r>
+            <a:r>
+              <a:rPr lang="en-US" altLang="zh-CN" sz="1200" b="0" i="0" u="none" strike="noStrike" dirty="0">
+                <a:solidFill>
+                  <a:srgbClr val="333333"/>
+                </a:solidFill>
+                <a:effectLst/>
+              </a:rPr>
+              <a:t>Cumulative advantages of user-generated content .</a:t>
             </a:r>
             <a:endParaRPr lang="en-US" sz="1200" dirty="0">
               <a:solidFill>
                 <a:schemeClr val="tx1"/>
               </a:solidFill>
-              <a:latin typeface="Arial" pitchFamily="34" charset="0"/>
               <a:cs typeface="Arial" pitchFamily="34" charset="0"/>
             </a:endParaRPr>
           </a:p>
@@ -4385,7 +4624,43 @@
                 <a:effectLst/>
                 <a:latin typeface="ui-sans-serif"/>
               </a:rPr>
-              <a:t>Google Play, App Store, Social Media, local partnerships</a:t>
+              <a:t>Google Play, App Store, Social Media (</a:t>
+            </a:r>
+            <a:r>
+              <a:rPr lang="en-US" altLang="zh-CN" sz="1200" dirty="0"/>
+              <a:t>Instagram, TikTok</a:t>
+            </a:r>
+            <a:r>
+              <a:rPr lang="en-AU" altLang="zh-CN" sz="1200" b="0" i="0" dirty="0">
+                <a:solidFill>
+                  <a:srgbClr val="1F2937"/>
+                </a:solidFill>
+                <a:effectLst/>
+                <a:latin typeface="ui-sans-serif"/>
+              </a:rPr>
+              <a:t>), </a:t>
+            </a:r>
+          </a:p>
+          <a:p>
+            <a:r>
+              <a:rPr lang="en-AU" altLang="zh-CN" sz="1200" b="0" i="0" dirty="0">
+                <a:solidFill>
+                  <a:srgbClr val="1F2937"/>
+                </a:solidFill>
+                <a:effectLst/>
+                <a:latin typeface="ui-sans-serif"/>
+              </a:rPr>
+              <a:t>local partnerships  </a:t>
+            </a:r>
+            <a:r>
+              <a:rPr lang="en-US" altLang="zh-CN" sz="1200" b="0" i="0" u="none" strike="noStrike" dirty="0">
+                <a:solidFill>
+                  <a:srgbClr val="333333"/>
+                </a:solidFill>
+                <a:effectLst/>
+                <a:latin typeface="Arial" panose="020B0604020202020204" pitchFamily="34" charset="0"/>
+              </a:rPr>
+              <a:t>Campus promotion activities.</a:t>
             </a:r>
             <a:endParaRPr lang="en-US" sz="1200" dirty="0">
               <a:solidFill>
@@ -4405,7 +4680,7 @@
         </p:nvSpPr>
         <p:spPr>
           <a:xfrm>
-            <a:off x="7183690" y="664125"/>
+            <a:off x="7196682" y="667674"/>
             <a:ext cx="1764792" cy="3975859"/>
           </a:xfrm>
           <a:prstGeom prst="roundRect">
@@ -4465,21 +4740,39 @@
                 <a:latin typeface="Arial" pitchFamily="34" charset="0"/>
                 <a:cs typeface="Arial" pitchFamily="34" charset="0"/>
               </a:rPr>
-              <a:t>Customer Segments</a:t>
-            </a:r>
-          </a:p>
-          <a:p>
-            <a:r>
-              <a:rPr lang="en-AU" altLang="zh-CN" sz="1200" b="0" i="0" dirty="0">
-                <a:solidFill>
-                  <a:srgbClr val="1F2937"/>
-                </a:solidFill>
-                <a:effectLst/>
-                <a:latin typeface="ui-sans-serif"/>
+              <a:t>C</a:t>
+            </a:r>
+            <a:r>
+              <a:rPr lang="en-US" altLang="zh-CN" sz="1400" dirty="0">
+                <a:solidFill>
+                  <a:schemeClr val="tx1"/>
+                </a:solidFill>
+                <a:latin typeface="Arial" pitchFamily="34" charset="0"/>
+                <a:cs typeface="Arial" pitchFamily="34" charset="0"/>
               </a:rPr>
-              <a:t>Young consumers, tourists, students, local residents</a:t>
-            </a:r>
-            <a:endParaRPr lang="en-US" sz="1200" dirty="0">
+              <a:t>USTOMER</a:t>
+            </a:r>
+            <a:r>
+              <a:rPr lang="en-US" sz="1400" dirty="0">
+                <a:solidFill>
+                  <a:schemeClr val="tx1"/>
+                </a:solidFill>
+                <a:latin typeface="Arial" pitchFamily="34" charset="0"/>
+                <a:cs typeface="Arial" pitchFamily="34" charset="0"/>
+              </a:rPr>
+              <a:t> S</a:t>
+            </a:r>
+            <a:r>
+              <a:rPr lang="en-US" altLang="zh-CN" sz="1400" dirty="0">
+                <a:solidFill>
+                  <a:schemeClr val="tx1"/>
+                </a:solidFill>
+                <a:latin typeface="Arial" pitchFamily="34" charset="0"/>
+                <a:cs typeface="Arial" pitchFamily="34" charset="0"/>
+              </a:rPr>
+              <a:t>EGEMENTS</a:t>
+            </a:r>
+            <a:endParaRPr lang="en-US" sz="1400" dirty="0">
               <a:solidFill>
                 <a:schemeClr val="tx1"/>
               </a:solidFill>
@@ -4487,6 +4780,69 @@
               <a:cs typeface="Arial" pitchFamily="34" charset="0"/>
             </a:endParaRPr>
           </a:p>
+          <a:p>
+            <a:r>
+              <a:rPr lang="en-US" altLang="zh-CN" sz="1200" dirty="0">
+                <a:solidFill>
+                  <a:srgbClr val="FF0000"/>
+                </a:solidFill>
+                <a:latin typeface="ui-sans-serif"/>
+              </a:rPr>
+              <a:t>#</a:t>
+            </a:r>
+            <a:r>
+              <a:rPr lang="en-AU" altLang="zh-CN" sz="1200" b="0" i="0" dirty="0">
+                <a:solidFill>
+                  <a:srgbClr val="FF0000"/>
+                </a:solidFill>
+                <a:effectLst/>
+                <a:latin typeface="ui-sans-serif"/>
+              </a:rPr>
+              <a:t>Student</a:t>
+            </a:r>
+            <a:r>
+              <a:rPr lang="en-US" altLang="zh-CN" sz="1200" dirty="0">
+                <a:solidFill>
+                  <a:srgbClr val="0070C0"/>
+                </a:solidFill>
+              </a:rPr>
+              <a:t> </a:t>
+            </a:r>
+          </a:p>
+          <a:p>
+            <a:r>
+              <a:rPr lang="en-AU" altLang="zh-CN" sz="1200" b="0" i="0" dirty="0">
+                <a:solidFill>
+                  <a:srgbClr val="00B050"/>
+                </a:solidFill>
+                <a:effectLst/>
+                <a:latin typeface="ui-sans-serif"/>
+              </a:rPr>
+              <a:t>#Tourist</a:t>
+            </a:r>
+            <a:endParaRPr lang="en-US" altLang="zh-CN" sz="1200" dirty="0">
+              <a:solidFill>
+                <a:srgbClr val="0070C0"/>
+              </a:solidFill>
+            </a:endParaRPr>
+          </a:p>
+          <a:p>
+            <a:r>
+              <a:rPr lang="en-US" altLang="zh-CN" sz="1200" dirty="0">
+                <a:solidFill>
+                  <a:srgbClr val="0070C0"/>
+                </a:solidFill>
+              </a:rPr>
+              <a:t>#Local Families &amp; Residents </a:t>
+            </a:r>
+            <a:endParaRPr lang="en-AU" altLang="zh-CN" sz="1200" b="0" i="0" dirty="0">
+              <a:solidFill>
+                <a:srgbClr val="FF0000"/>
+              </a:solidFill>
+              <a:effectLst/>
+              <a:latin typeface="ui-sans-serif"/>
+            </a:endParaRPr>
+          </a:p>
         </p:txBody>
       </p:sp>
       <p:sp>
@@ -4497,7 +4853,7 @@
         </p:nvSpPr>
         <p:spPr>
           <a:xfrm>
-            <a:off x="152400" y="664125"/>
+            <a:off x="152400" y="671173"/>
             <a:ext cx="8796082" cy="5314267"/>
           </a:xfrm>
           <a:prstGeom prst="roundRect">
@@ -4550,124 +4906,6 @@
           </a:p>
         </p:txBody>
       </p:sp>
-      <p:sp>
-        <p:nvSpPr>
-          <p:cNvPr id="37" name="Rectangle 36"/>
-          <p:cNvSpPr/>
-          <p:nvPr/>
-        </p:nvSpPr>
-        <p:spPr>
-          <a:xfrm>
-            <a:off x="1753341" y="6028996"/>
-            <a:ext cx="1196161" cy="338554"/>
-          </a:xfrm>
-          <a:prstGeom prst="rect">
-            <a:avLst/>
-          </a:prstGeom>
-        </p:spPr>
-        <p:txBody>
-          <a:bodyPr wrap="none">
-            <a:spAutoFit/>
-          </a:bodyPr>
-          <a:lstStyle/>
-          <a:p>
-            <a:pPr algn="ctr"/>
-            <a:r>
-              <a:rPr lang="en-US" sz="1600" dirty="0">
-                <a:solidFill>
-                  <a:srgbClr val="007DDA"/>
-                </a:solidFill>
-                <a:latin typeface="Arial" pitchFamily="34" charset="0"/>
-                <a:cs typeface="Arial" pitchFamily="34" charset="0"/>
-              </a:rPr>
-              <a:t>PRODUCT</a:t>
-            </a:r>
-            <a:endParaRPr lang="en-US" sz="2000" dirty="0">
-              <a:solidFill>
-                <a:srgbClr val="007DDA"/>
-              </a:solidFill>
-            </a:endParaRPr>
-          </a:p>
-        </p:txBody>
-      </p:sp>
-      <p:sp>
-        <p:nvSpPr>
-          <p:cNvPr id="39" name="Rectangle 38"/>
-          <p:cNvSpPr/>
-          <p:nvPr/>
-        </p:nvSpPr>
-        <p:spPr>
-          <a:xfrm>
-            <a:off x="6230730" y="6028996"/>
-            <a:ext cx="1037463" cy="338554"/>
-          </a:xfrm>
-          <a:prstGeom prst="rect">
-            <a:avLst/>
-          </a:prstGeom>
-        </p:spPr>
-        <p:txBody>
-          <a:bodyPr wrap="none">
-            <a:spAutoFit/>
-          </a:bodyPr>
-          <a:lstStyle/>
-          <a:p>
-            <a:pPr algn="ctr"/>
-            <a:r>
-              <a:rPr lang="en-US" sz="1600" dirty="0">
-                <a:solidFill>
-                  <a:srgbClr val="007DDA"/>
-                </a:solidFill>
-                <a:latin typeface="Arial" pitchFamily="34" charset="0"/>
-                <a:cs typeface="Arial" pitchFamily="34" charset="0"/>
-              </a:rPr>
-              <a:t>MARKET</a:t>
-            </a:r>
-            <a:endParaRPr lang="en-US" sz="2000" dirty="0">
-              <a:solidFill>
-                <a:srgbClr val="007DDA"/>
-              </a:solidFill>
-            </a:endParaRPr>
-          </a:p>
-        </p:txBody>
-      </p:sp>
-      <p:cxnSp>
-        <p:nvCxnSpPr>
-          <p:cNvPr id="10" name="Straight Connector 9"/>
-          <p:cNvCxnSpPr/>
-          <p:nvPr/>
-        </p:nvCxnSpPr>
-        <p:spPr>
-          <a:xfrm flipV="1">
-            <a:off x="4550441" y="559951"/>
-            <a:ext cx="0" cy="5731399"/>
-          </a:xfrm>
-          <a:prstGeom prst="line">
-            <a:avLst/>
-          </a:prstGeom>
-          <a:ln w="19050" cap="rnd">
-            <a:solidFill>
-              <a:srgbClr val="007DDA">
-                <a:alpha val="50000"/>
-              </a:srgbClr>
-            </a:solidFill>
-            <a:prstDash val="dash"/>
-          </a:ln>
-        </p:spPr>
-        <p:style>
-          <a:lnRef idx="1">
-            <a:schemeClr val="accent1"/>
-          </a:lnRef>
-          <a:fillRef idx="0">
-            <a:schemeClr val="accent1"/>
-          </a:fillRef>
-          <a:effectRef idx="0">
-            <a:schemeClr val="accent1"/>
-          </a:effectRef>
-          <a:fontRef idx="minor">
-            <a:schemeClr val="tx1"/>
-          </a:fontRef>
-        </p:style>
-      </p:cxnSp>
     </p:spTree>
     <p:extLst>
       <p:ext uri="{BB962C8B-B14F-4D97-AF65-F5344CB8AC3E}">
